--- a/SE423/Lectures/1-Introduction/Tailoring, Models, Methods, and Artifacts.pptx
+++ b/SE423/Lectures/1-Introduction/Tailoring, Models, Methods, and Artifacts.pptx
@@ -268,7 +268,7 @@
           <a:p>
             <a:fld id="{41DA9887-9249-49FD-809A-BACB264048C3}" type="datetimeFigureOut">
               <a:rPr lang="en-US" smtClean="0"/>
-              <a:t>11/24/2022</a:t>
+              <a:t>2/9/2023</a:t>
             </a:fld>
             <a:endParaRPr lang="en-US"/>
           </a:p>
@@ -668,9 +668,9 @@
           <a:bodyPr/>
           <a:lstStyle/>
           <a:p>
-            <a:fld id="{1B77E6C4-037A-4AC3-93B1-2E399ED7CAC5}" type="datetime1">
+            <a:fld id="{704CB6DA-3BC2-4CE7-A993-99D7FEBD02C0}" type="datetime1">
               <a:rPr lang="en-US" smtClean="0"/>
-              <a:t>11/24/2022</a:t>
+              <a:t>2/9/2023</a:t>
             </a:fld>
             <a:endParaRPr lang="en-US"/>
           </a:p>
@@ -947,9 +947,9 @@
           <a:bodyPr/>
           <a:lstStyle/>
           <a:p>
-            <a:fld id="{42A9B262-DB51-4845-B0BF-9F318994FAAE}" type="datetime1">
+            <a:fld id="{28F5F473-F444-4EFC-A03F-2667B9ADE168}" type="datetime1">
               <a:rPr lang="en-US" smtClean="0"/>
-              <a:t>11/24/2022</a:t>
+              <a:t>2/9/2023</a:t>
             </a:fld>
             <a:endParaRPr lang="en-US"/>
           </a:p>
@@ -1125,9 +1125,9 @@
           <a:bodyPr/>
           <a:lstStyle/>
           <a:p>
-            <a:fld id="{B2F564F7-604D-49E1-A536-2A7960CE3304}" type="datetime1">
+            <a:fld id="{7382ACF8-5787-4245-B619-BF2A792F7E4A}" type="datetime1">
               <a:rPr lang="en-US" smtClean="0"/>
-              <a:t>11/24/2022</a:t>
+              <a:t>2/9/2023</a:t>
             </a:fld>
             <a:endParaRPr lang="en-US"/>
           </a:p>
@@ -1371,9 +1371,9 @@
             <a:pPr>
               <a:defRPr/>
             </a:pPr>
-            <a:fld id="{B288D794-2492-4B9F-B864-D2DC3CC91EE2}" type="datetime1">
+            <a:fld id="{01758AC8-8B71-45B5-BA25-3158C65488BD}" type="datetime1">
               <a:rPr lang="en-US" smtClean="0"/>
-              <a:t>11/24/2022</a:t>
+              <a:t>2/9/2023</a:t>
             </a:fld>
             <a:endParaRPr lang="en-US"/>
           </a:p>
@@ -1552,9 +1552,9 @@
             <a:pPr>
               <a:defRPr/>
             </a:pPr>
-            <a:fld id="{3FB7008A-F136-42E3-A8AD-CCAA87B0ADBF}" type="datetime1">
+            <a:fld id="{41DD569C-91EC-4D91-8344-57E0BB66D955}" type="datetime1">
               <a:rPr lang="en-US" smtClean="0"/>
-              <a:t>11/24/2022</a:t>
+              <a:t>2/9/2023</a:t>
             </a:fld>
             <a:endParaRPr lang="en-US"/>
           </a:p>
@@ -1830,9 +1830,9 @@
           <a:bodyPr/>
           <a:lstStyle/>
           <a:p>
-            <a:fld id="{5F25755F-0905-49A3-81D1-4BA71FCC5C00}" type="datetime1">
+            <a:fld id="{D41BA494-3D15-4845-B2BB-431DA58C1BF4}" type="datetime1">
               <a:rPr lang="en-US" smtClean="0"/>
-              <a:t>11/24/2022</a:t>
+              <a:t>2/9/2023</a:t>
             </a:fld>
             <a:endParaRPr lang="en-US"/>
           </a:p>
@@ -2174,9 +2174,9 @@
           <a:bodyPr/>
           <a:lstStyle/>
           <a:p>
-            <a:fld id="{6106A921-A079-4135-B4F7-ED0F9910EF32}" type="datetime1">
+            <a:fld id="{8923A185-ADBF-4CA9-87CC-C9469222E471}" type="datetime1">
               <a:rPr lang="en-US" smtClean="0"/>
-              <a:t>11/24/2022</a:t>
+              <a:t>2/9/2023</a:t>
             </a:fld>
             <a:endParaRPr lang="en-US"/>
           </a:p>
@@ -2403,9 +2403,9 @@
           <a:bodyPr/>
           <a:lstStyle/>
           <a:p>
-            <a:fld id="{4027AB51-5E1B-4E1A-8F7F-39CB7A1E44DB}" type="datetime1">
+            <a:fld id="{BB5E2C1A-4149-4894-8FA1-B36EA10C737E}" type="datetime1">
               <a:rPr lang="en-US" smtClean="0"/>
-              <a:t>11/24/2022</a:t>
+              <a:t>2/9/2023</a:t>
             </a:fld>
             <a:endParaRPr lang="en-US"/>
           </a:p>
@@ -2767,9 +2767,9 @@
           <a:bodyPr/>
           <a:lstStyle/>
           <a:p>
-            <a:fld id="{9138CEA6-D218-4C14-AE73-889A0181B73A}" type="datetime1">
+            <a:fld id="{A55F51FC-A19B-474A-B34B-936A591E36AE}" type="datetime1">
               <a:rPr lang="en-US" smtClean="0"/>
-              <a:t>11/24/2022</a:t>
+              <a:t>2/9/2023</a:t>
             </a:fld>
             <a:endParaRPr lang="en-US"/>
           </a:p>
@@ -2862,9 +2862,9 @@
           <a:bodyPr/>
           <a:lstStyle/>
           <a:p>
-            <a:fld id="{4A8EE5D5-3AD0-421E-B90C-018660FBB366}" type="datetime1">
+            <a:fld id="{D8BE6587-313B-47BD-A7F8-6560542966D6}" type="datetime1">
               <a:rPr lang="en-US" smtClean="0"/>
-              <a:t>11/24/2022</a:t>
+              <a:t>2/9/2023</a:t>
             </a:fld>
             <a:endParaRPr lang="en-US"/>
           </a:p>
@@ -3086,7 +3086,7 @@
             <a:fld id="{B2F5E2FA-C428-4CE7-95B0-168D3259A5BB}" type="datetimeFigureOut">
               <a:rPr lang="en-US" smtClean="0"/>
               <a:pPr/>
-              <a:t>11/24/2022</a:t>
+              <a:t>2/9/2023</a:t>
             </a:fld>
             <a:endParaRPr lang="en-US"/>
           </a:p>
@@ -3255,9 +3255,9 @@
           <a:bodyPr/>
           <a:lstStyle/>
           <a:p>
-            <a:fld id="{259BDD99-F0C2-4952-8AFD-60E1A77A6351}" type="datetime1">
+            <a:fld id="{5D7B466B-BB83-4A0D-B2AA-97CE26C75735}" type="datetime1">
               <a:rPr lang="en-US" smtClean="0"/>
-              <a:t>11/24/2022</a:t>
+              <a:t>2/9/2023</a:t>
             </a:fld>
             <a:endParaRPr lang="en-US"/>
           </a:p>
@@ -3530,9 +3530,9 @@
           <a:bodyPr/>
           <a:lstStyle/>
           <a:p>
-            <a:fld id="{9EFD64CF-8DA8-4084-B317-87152DF06071}" type="datetime1">
+            <a:fld id="{7C5CAEF0-86C2-43DB-8AD2-2413E23D7DBE}" type="datetime1">
               <a:rPr lang="en-US" smtClean="0"/>
-              <a:t>11/24/2022</a:t>
+              <a:t>2/9/2023</a:t>
             </a:fld>
             <a:endParaRPr lang="en-US"/>
           </a:p>
@@ -3782,9 +3782,9 @@
           <a:bodyPr/>
           <a:lstStyle/>
           <a:p>
-            <a:fld id="{71EC55A7-534D-457D-9E4E-8E632D6F5810}" type="datetime1">
+            <a:fld id="{AF7CA122-7513-4B7D-A51A-27C52419C719}" type="datetime1">
               <a:rPr lang="en-US" smtClean="0"/>
-              <a:t>11/24/2022</a:t>
+              <a:t>2/9/2023</a:t>
             </a:fld>
             <a:endParaRPr lang="en-US"/>
           </a:p>
@@ -3993,9 +3993,9 @@
             </a:lvl1pPr>
           </a:lstStyle>
           <a:p>
-            <a:fld id="{79C72520-39C9-4C3B-B1E4-E54C4D6FEA04}" type="datetime1">
+            <a:fld id="{881ECD88-7B1B-41EF-8D3E-AE249FC0A04C}" type="datetime1">
               <a:rPr lang="en-US" smtClean="0"/>
-              <a:t>11/24/2022</a:t>
+              <a:t>2/9/2023</a:t>
             </a:fld>
             <a:endParaRPr lang="en-US"/>
           </a:p>
@@ -4636,6 +4636,30 @@
           </a:p>
         </p:txBody>
       </p:sp>
+      <p:sp>
+        <p:nvSpPr>
+          <p:cNvPr id="4" name="Slide Number Placeholder 3"/>
+          <p:cNvSpPr>
+            <a:spLocks noGrp="1"/>
+          </p:cNvSpPr>
+          <p:nvPr>
+            <p:ph type="sldNum" sz="quarter" idx="12"/>
+          </p:nvPr>
+        </p:nvSpPr>
+        <p:spPr/>
+        <p:txBody>
+          <a:bodyPr/>
+          <a:lstStyle/>
+          <a:p>
+            <a:fld id="{B8DACC02-A2BD-4578-8E03-6D891060A695}" type="slidenum">
+              <a:rPr lang="en-US" smtClean="0"/>
+              <a:pPr/>
+              <a:t>10</a:t>
+            </a:fld>
+            <a:endParaRPr lang="en-US" dirty="0"/>
+          </a:p>
+        </p:txBody>
+      </p:sp>
     </p:spTree>
     <p:extLst>
       <p:ext uri="{BB962C8B-B14F-4D97-AF65-F5344CB8AC3E}">
@@ -4754,6 +4778,30 @@
           </a:p>
         </p:txBody>
       </p:sp>
+      <p:sp>
+        <p:nvSpPr>
+          <p:cNvPr id="4" name="Slide Number Placeholder 3"/>
+          <p:cNvSpPr>
+            <a:spLocks noGrp="1"/>
+          </p:cNvSpPr>
+          <p:nvPr>
+            <p:ph type="sldNum" sz="quarter" idx="12"/>
+          </p:nvPr>
+        </p:nvSpPr>
+        <p:spPr/>
+        <p:txBody>
+          <a:bodyPr/>
+          <a:lstStyle/>
+          <a:p>
+            <a:fld id="{B8DACC02-A2BD-4578-8E03-6D891060A695}" type="slidenum">
+              <a:rPr lang="en-US" smtClean="0"/>
+              <a:pPr/>
+              <a:t>11</a:t>
+            </a:fld>
+            <a:endParaRPr lang="en-US" dirty="0"/>
+          </a:p>
+        </p:txBody>
+      </p:sp>
     </p:spTree>
     <p:extLst>
       <p:ext uri="{BB962C8B-B14F-4D97-AF65-F5344CB8AC3E}">
@@ -4883,6 +4931,30 @@
           </a:p>
         </p:txBody>
       </p:sp>
+      <p:sp>
+        <p:nvSpPr>
+          <p:cNvPr id="4" name="Slide Number Placeholder 3"/>
+          <p:cNvSpPr>
+            <a:spLocks noGrp="1"/>
+          </p:cNvSpPr>
+          <p:nvPr>
+            <p:ph type="sldNum" sz="quarter" idx="12"/>
+          </p:nvPr>
+        </p:nvSpPr>
+        <p:spPr/>
+        <p:txBody>
+          <a:bodyPr/>
+          <a:lstStyle/>
+          <a:p>
+            <a:fld id="{B8DACC02-A2BD-4578-8E03-6D891060A695}" type="slidenum">
+              <a:rPr lang="en-US" smtClean="0"/>
+              <a:pPr/>
+              <a:t>12</a:t>
+            </a:fld>
+            <a:endParaRPr lang="en-US" dirty="0"/>
+          </a:p>
+        </p:txBody>
+      </p:sp>
     </p:spTree>
     <p:extLst>
       <p:ext uri="{BB962C8B-B14F-4D97-AF65-F5344CB8AC3E}">
@@ -5021,6 +5093,30 @@
           </a:p>
         </p:txBody>
       </p:sp>
+      <p:sp>
+        <p:nvSpPr>
+          <p:cNvPr id="4" name="Slide Number Placeholder 3"/>
+          <p:cNvSpPr>
+            <a:spLocks noGrp="1"/>
+          </p:cNvSpPr>
+          <p:nvPr>
+            <p:ph type="sldNum" sz="quarter" idx="12"/>
+          </p:nvPr>
+        </p:nvSpPr>
+        <p:spPr/>
+        <p:txBody>
+          <a:bodyPr/>
+          <a:lstStyle/>
+          <a:p>
+            <a:fld id="{B8DACC02-A2BD-4578-8E03-6D891060A695}" type="slidenum">
+              <a:rPr lang="en-US" smtClean="0"/>
+              <a:pPr/>
+              <a:t>13</a:t>
+            </a:fld>
+            <a:endParaRPr lang="en-US" dirty="0"/>
+          </a:p>
+        </p:txBody>
+      </p:sp>
     </p:spTree>
     <p:extLst>
       <p:ext uri="{BB962C8B-B14F-4D97-AF65-F5344CB8AC3E}">
@@ -5117,6 +5213,30 @@
           </a:prstGeom>
         </p:spPr>
       </p:pic>
+      <p:sp>
+        <p:nvSpPr>
+          <p:cNvPr id="5" name="Slide Number Placeholder 4"/>
+          <p:cNvSpPr>
+            <a:spLocks noGrp="1"/>
+          </p:cNvSpPr>
+          <p:nvPr>
+            <p:ph type="sldNum" sz="quarter" idx="12"/>
+          </p:nvPr>
+        </p:nvSpPr>
+        <p:spPr/>
+        <p:txBody>
+          <a:bodyPr/>
+          <a:lstStyle/>
+          <a:p>
+            <a:fld id="{B8DACC02-A2BD-4578-8E03-6D891060A695}" type="slidenum">
+              <a:rPr lang="en-US" smtClean="0"/>
+              <a:pPr/>
+              <a:t>14</a:t>
+            </a:fld>
+            <a:endParaRPr lang="en-US" dirty="0"/>
+          </a:p>
+        </p:txBody>
+      </p:sp>
     </p:spTree>
     <p:extLst>
       <p:ext uri="{BB962C8B-B14F-4D97-AF65-F5344CB8AC3E}">
@@ -5221,7 +5341,7 @@
         <p:spPr>
           <a:xfrm>
             <a:off x="573024" y="3154680"/>
-            <a:ext cx="4256678" cy="369332"/>
+            <a:ext cx="4419800" cy="369332"/>
           </a:xfrm>
           <a:prstGeom prst="rect">
             <a:avLst/>
@@ -5234,7 +5354,9 @@
           <a:lstStyle/>
           <a:p>
             <a:r>
-              <a:rPr lang="en-US" dirty="0"/>
+              <a:rPr lang="en-US" dirty="0">
+                <a:latin typeface="Candara" panose="020E0502030303020204" pitchFamily="34" charset="0"/>
+              </a:rPr>
               <a:t>Selecting the Initial Development Approach</a:t>
             </a:r>
           </a:p>
@@ -5273,7 +5395,7 @@
         <p:spPr>
           <a:xfrm>
             <a:off x="6858601" y="3271311"/>
-            <a:ext cx="4235518" cy="369332"/>
+            <a:ext cx="4423583" cy="369332"/>
           </a:xfrm>
           <a:prstGeom prst="rect">
             <a:avLst/>
@@ -5286,7 +5408,9 @@
           <a:lstStyle/>
           <a:p>
             <a:r>
-              <a:rPr lang="en-US" dirty="0"/>
+              <a:rPr lang="en-US" dirty="0">
+                <a:latin typeface="Candara" panose="020E0502030303020204" pitchFamily="34" charset="0"/>
+              </a:rPr>
               <a:t>Tailoring the Approach for the Organization</a:t>
             </a:r>
           </a:p>
@@ -5301,7 +5425,7 @@
         <p:spPr>
           <a:xfrm>
             <a:off x="1121507" y="5727426"/>
-            <a:ext cx="3708195" cy="369332"/>
+            <a:ext cx="3856120" cy="369332"/>
           </a:xfrm>
           <a:prstGeom prst="rect">
             <a:avLst/>
@@ -5314,7 +5438,9 @@
           <a:lstStyle/>
           <a:p>
             <a:r>
-              <a:rPr lang="en-US" dirty="0"/>
+              <a:rPr lang="en-US" dirty="0">
+                <a:latin typeface="Candara" panose="020E0502030303020204" pitchFamily="34" charset="0"/>
+              </a:rPr>
               <a:t>Tailoring the Approach for the Project</a:t>
             </a:r>
           </a:p>
@@ -5377,7 +5503,7 @@
         <p:spPr>
           <a:xfrm>
             <a:off x="7811867" y="5723908"/>
-            <a:ext cx="3381054" cy="369332"/>
+            <a:ext cx="3528530" cy="369332"/>
           </a:xfrm>
           <a:prstGeom prst="rect">
             <a:avLst/>
@@ -5390,9 +5516,35 @@
           <a:lstStyle/>
           <a:p>
             <a:r>
-              <a:rPr lang="en-US" dirty="0"/>
+              <a:rPr lang="en-US" dirty="0">
+                <a:latin typeface="Candara" panose="020E0502030303020204" pitchFamily="34" charset="0"/>
+              </a:rPr>
               <a:t>Implement Ongoing Improvement</a:t>
             </a:r>
+          </a:p>
+        </p:txBody>
+      </p:sp>
+      <p:sp>
+        <p:nvSpPr>
+          <p:cNvPr id="11" name="Slide Number Placeholder 10"/>
+          <p:cNvSpPr>
+            <a:spLocks noGrp="1"/>
+          </p:cNvSpPr>
+          <p:nvPr>
+            <p:ph type="sldNum" sz="quarter" idx="12"/>
+          </p:nvPr>
+        </p:nvSpPr>
+        <p:spPr/>
+        <p:txBody>
+          <a:bodyPr/>
+          <a:lstStyle/>
+          <a:p>
+            <a:fld id="{B8DACC02-A2BD-4578-8E03-6D891060A695}" type="slidenum">
+              <a:rPr lang="en-US" smtClean="0"/>
+              <a:pPr/>
+              <a:t>15</a:t>
+            </a:fld>
+            <a:endParaRPr lang="en-US" dirty="0"/>
           </a:p>
         </p:txBody>
       </p:sp>
@@ -5493,6 +5645,30 @@
           </a:prstGeom>
         </p:spPr>
       </p:pic>
+      <p:sp>
+        <p:nvSpPr>
+          <p:cNvPr id="4" name="Slide Number Placeholder 3"/>
+          <p:cNvSpPr>
+            <a:spLocks noGrp="1"/>
+          </p:cNvSpPr>
+          <p:nvPr>
+            <p:ph type="sldNum" sz="quarter" idx="12"/>
+          </p:nvPr>
+        </p:nvSpPr>
+        <p:spPr/>
+        <p:txBody>
+          <a:bodyPr/>
+          <a:lstStyle/>
+          <a:p>
+            <a:fld id="{B8DACC02-A2BD-4578-8E03-6D891060A695}" type="slidenum">
+              <a:rPr lang="en-US" smtClean="0"/>
+              <a:pPr/>
+              <a:t>16</a:t>
+            </a:fld>
+            <a:endParaRPr lang="en-US" dirty="0"/>
+          </a:p>
+        </p:txBody>
+      </p:sp>
     </p:spTree>
     <p:extLst>
       <p:ext uri="{BB962C8B-B14F-4D97-AF65-F5344CB8AC3E}">
@@ -5619,6 +5795,30 @@
           </a:p>
         </p:txBody>
       </p:sp>
+      <p:sp>
+        <p:nvSpPr>
+          <p:cNvPr id="4" name="Slide Number Placeholder 3"/>
+          <p:cNvSpPr>
+            <a:spLocks noGrp="1"/>
+          </p:cNvSpPr>
+          <p:nvPr>
+            <p:ph type="sldNum" sz="quarter" idx="12"/>
+          </p:nvPr>
+        </p:nvSpPr>
+        <p:spPr/>
+        <p:txBody>
+          <a:bodyPr/>
+          <a:lstStyle/>
+          <a:p>
+            <a:fld id="{B8DACC02-A2BD-4578-8E03-6D891060A695}" type="slidenum">
+              <a:rPr lang="en-US" smtClean="0"/>
+              <a:pPr/>
+              <a:t>17</a:t>
+            </a:fld>
+            <a:endParaRPr lang="en-US" dirty="0"/>
+          </a:p>
+        </p:txBody>
+      </p:sp>
     </p:spTree>
     <p:extLst>
       <p:ext uri="{BB962C8B-B14F-4D97-AF65-F5344CB8AC3E}">
@@ -5785,6 +5985,30 @@
           </a:p>
         </p:txBody>
       </p:sp>
+      <p:sp>
+        <p:nvSpPr>
+          <p:cNvPr id="4" name="Slide Number Placeholder 3"/>
+          <p:cNvSpPr>
+            <a:spLocks noGrp="1"/>
+          </p:cNvSpPr>
+          <p:nvPr>
+            <p:ph type="sldNum" sz="quarter" idx="12"/>
+          </p:nvPr>
+        </p:nvSpPr>
+        <p:spPr/>
+        <p:txBody>
+          <a:bodyPr/>
+          <a:lstStyle/>
+          <a:p>
+            <a:fld id="{B8DACC02-A2BD-4578-8E03-6D891060A695}" type="slidenum">
+              <a:rPr lang="en-US" smtClean="0"/>
+              <a:pPr/>
+              <a:t>18</a:t>
+            </a:fld>
+            <a:endParaRPr lang="en-US" dirty="0"/>
+          </a:p>
+        </p:txBody>
+      </p:sp>
     </p:spTree>
     <p:extLst>
       <p:ext uri="{BB962C8B-B14F-4D97-AF65-F5344CB8AC3E}">
@@ -5914,6 +6138,30 @@
               <a:rPr lang="en-US" dirty="0"/>
               <a:t>Access to customer</a:t>
             </a:r>
+          </a:p>
+        </p:txBody>
+      </p:sp>
+      <p:sp>
+        <p:nvSpPr>
+          <p:cNvPr id="4" name="Slide Number Placeholder 3"/>
+          <p:cNvSpPr>
+            <a:spLocks noGrp="1"/>
+          </p:cNvSpPr>
+          <p:nvPr>
+            <p:ph type="sldNum" sz="quarter" idx="12"/>
+          </p:nvPr>
+        </p:nvSpPr>
+        <p:spPr/>
+        <p:txBody>
+          <a:bodyPr/>
+          <a:lstStyle/>
+          <a:p>
+            <a:fld id="{B8DACC02-A2BD-4578-8E03-6D891060A695}" type="slidenum">
+              <a:rPr lang="en-US" smtClean="0"/>
+              <a:pPr/>
+              <a:t>19</a:t>
+            </a:fld>
+            <a:endParaRPr lang="en-US" dirty="0"/>
           </a:p>
         </p:txBody>
       </p:sp>
@@ -6151,6 +6399,30 @@
           </a:p>
         </p:txBody>
       </p:sp>
+      <p:sp>
+        <p:nvSpPr>
+          <p:cNvPr id="4" name="Slide Number Placeholder 3"/>
+          <p:cNvSpPr>
+            <a:spLocks noGrp="1"/>
+          </p:cNvSpPr>
+          <p:nvPr>
+            <p:ph type="sldNum" sz="quarter" idx="12"/>
+          </p:nvPr>
+        </p:nvSpPr>
+        <p:spPr/>
+        <p:txBody>
+          <a:bodyPr/>
+          <a:lstStyle/>
+          <a:p>
+            <a:fld id="{B8DACC02-A2BD-4578-8E03-6D891060A695}" type="slidenum">
+              <a:rPr lang="en-US" smtClean="0"/>
+              <a:pPr/>
+              <a:t>20</a:t>
+            </a:fld>
+            <a:endParaRPr lang="en-US" dirty="0"/>
+          </a:p>
+        </p:txBody>
+      </p:sp>
     </p:spTree>
     <p:extLst>
       <p:ext uri="{BB962C8B-B14F-4D97-AF65-F5344CB8AC3E}">
@@ -6279,6 +6551,30 @@
           </a:p>
         </p:txBody>
       </p:sp>
+      <p:sp>
+        <p:nvSpPr>
+          <p:cNvPr id="4" name="Slide Number Placeholder 3"/>
+          <p:cNvSpPr>
+            <a:spLocks noGrp="1"/>
+          </p:cNvSpPr>
+          <p:nvPr>
+            <p:ph type="sldNum" sz="quarter" idx="12"/>
+          </p:nvPr>
+        </p:nvSpPr>
+        <p:spPr/>
+        <p:txBody>
+          <a:bodyPr/>
+          <a:lstStyle/>
+          <a:p>
+            <a:fld id="{B8DACC02-A2BD-4578-8E03-6D891060A695}" type="slidenum">
+              <a:rPr lang="en-US" smtClean="0"/>
+              <a:pPr/>
+              <a:t>21</a:t>
+            </a:fld>
+            <a:endParaRPr lang="en-US" dirty="0"/>
+          </a:p>
+        </p:txBody>
+      </p:sp>
     </p:spTree>
     <p:extLst>
       <p:ext uri="{BB962C8B-B14F-4D97-AF65-F5344CB8AC3E}">
@@ -6366,7 +6662,7 @@
         </p:blipFill>
         <p:spPr>
           <a:xfrm>
-            <a:off x="3114259" y="1653054"/>
+            <a:off x="3087099" y="1456491"/>
             <a:ext cx="5963482" cy="4696480"/>
           </a:xfrm>
           <a:prstGeom prst="rect">
@@ -6374,6 +6670,30 @@
           </a:prstGeom>
         </p:spPr>
       </p:pic>
+      <p:sp>
+        <p:nvSpPr>
+          <p:cNvPr id="5" name="Slide Number Placeholder 4"/>
+          <p:cNvSpPr>
+            <a:spLocks noGrp="1"/>
+          </p:cNvSpPr>
+          <p:nvPr>
+            <p:ph type="sldNum" sz="quarter" idx="12"/>
+          </p:nvPr>
+        </p:nvSpPr>
+        <p:spPr/>
+        <p:txBody>
+          <a:bodyPr/>
+          <a:lstStyle/>
+          <a:p>
+            <a:fld id="{B8DACC02-A2BD-4578-8E03-6D891060A695}" type="slidenum">
+              <a:rPr lang="en-US" smtClean="0"/>
+              <a:pPr/>
+              <a:t>22</a:t>
+            </a:fld>
+            <a:endParaRPr lang="en-US" dirty="0"/>
+          </a:p>
+        </p:txBody>
+      </p:sp>
     </p:spTree>
     <p:extLst>
       <p:ext uri="{BB962C8B-B14F-4D97-AF65-F5344CB8AC3E}">
@@ -6517,6 +6837,30 @@
           </a:p>
           <a:p>
             <a:pPr lvl="1"/>
+            <a:endParaRPr lang="en-US" dirty="0"/>
+          </a:p>
+        </p:txBody>
+      </p:sp>
+      <p:sp>
+        <p:nvSpPr>
+          <p:cNvPr id="4" name="Slide Number Placeholder 3"/>
+          <p:cNvSpPr>
+            <a:spLocks noGrp="1"/>
+          </p:cNvSpPr>
+          <p:nvPr>
+            <p:ph type="sldNum" sz="quarter" idx="12"/>
+          </p:nvPr>
+        </p:nvSpPr>
+        <p:spPr/>
+        <p:txBody>
+          <a:bodyPr/>
+          <a:lstStyle/>
+          <a:p>
+            <a:fld id="{B8DACC02-A2BD-4578-8E03-6D891060A695}" type="slidenum">
+              <a:rPr lang="en-US" smtClean="0"/>
+              <a:pPr/>
+              <a:t>23</a:t>
+            </a:fld>
             <a:endParaRPr lang="en-US" dirty="0"/>
           </a:p>
         </p:txBody>
@@ -6575,6 +6919,29 @@
           </a:prstGeom>
         </p:spPr>
       </p:pic>
+      <p:sp>
+        <p:nvSpPr>
+          <p:cNvPr id="2" name="Slide Number Placeholder 1"/>
+          <p:cNvSpPr>
+            <a:spLocks noGrp="1"/>
+          </p:cNvSpPr>
+          <p:nvPr>
+            <p:ph type="sldNum" sz="quarter" idx="12"/>
+          </p:nvPr>
+        </p:nvSpPr>
+        <p:spPr/>
+        <p:txBody>
+          <a:bodyPr/>
+          <a:lstStyle/>
+          <a:p>
+            <a:fld id="{B8DACC02-A2BD-4578-8E03-6D891060A695}" type="slidenum">
+              <a:rPr lang="en-US" smtClean="0"/>
+              <a:t>24</a:t>
+            </a:fld>
+            <a:endParaRPr lang="en-US"/>
+          </a:p>
+        </p:txBody>
+      </p:sp>
     </p:spTree>
     <p:extLst>
       <p:ext uri="{BB962C8B-B14F-4D97-AF65-F5344CB8AC3E}">
@@ -6629,6 +6996,29 @@
           </a:prstGeom>
         </p:spPr>
       </p:pic>
+      <p:sp>
+        <p:nvSpPr>
+          <p:cNvPr id="3" name="Slide Number Placeholder 2"/>
+          <p:cNvSpPr>
+            <a:spLocks noGrp="1"/>
+          </p:cNvSpPr>
+          <p:nvPr>
+            <p:ph type="sldNum" sz="quarter" idx="12"/>
+          </p:nvPr>
+        </p:nvSpPr>
+        <p:spPr/>
+        <p:txBody>
+          <a:bodyPr/>
+          <a:lstStyle/>
+          <a:p>
+            <a:fld id="{B8DACC02-A2BD-4578-8E03-6D891060A695}" type="slidenum">
+              <a:rPr lang="en-US" smtClean="0"/>
+              <a:t>25</a:t>
+            </a:fld>
+            <a:endParaRPr lang="en-US"/>
+          </a:p>
+        </p:txBody>
+      </p:sp>
     </p:spTree>
     <p:extLst>
       <p:ext uri="{BB962C8B-B14F-4D97-AF65-F5344CB8AC3E}">
@@ -6818,6 +7208,30 @@
           </a:p>
         </p:txBody>
       </p:sp>
+      <p:sp>
+        <p:nvSpPr>
+          <p:cNvPr id="4" name="Slide Number Placeholder 3"/>
+          <p:cNvSpPr>
+            <a:spLocks noGrp="1"/>
+          </p:cNvSpPr>
+          <p:nvPr>
+            <p:ph type="sldNum" sz="quarter" idx="12"/>
+          </p:nvPr>
+        </p:nvSpPr>
+        <p:spPr/>
+        <p:txBody>
+          <a:bodyPr/>
+          <a:lstStyle/>
+          <a:p>
+            <a:fld id="{B8DACC02-A2BD-4578-8E03-6D891060A695}" type="slidenum">
+              <a:rPr lang="en-US" smtClean="0"/>
+              <a:pPr/>
+              <a:t>26</a:t>
+            </a:fld>
+            <a:endParaRPr lang="en-US" dirty="0"/>
+          </a:p>
+        </p:txBody>
+      </p:sp>
     </p:spTree>
     <p:extLst>
       <p:ext uri="{BB962C8B-B14F-4D97-AF65-F5344CB8AC3E}">
@@ -6897,6 +7311,29 @@
           </a:p>
         </p:txBody>
       </p:sp>
+      <p:sp>
+        <p:nvSpPr>
+          <p:cNvPr id="2" name="Slide Number Placeholder 1"/>
+          <p:cNvSpPr>
+            <a:spLocks noGrp="1"/>
+          </p:cNvSpPr>
+          <p:nvPr>
+            <p:ph type="sldNum" sz="quarter" idx="12"/>
+          </p:nvPr>
+        </p:nvSpPr>
+        <p:spPr/>
+        <p:txBody>
+          <a:bodyPr/>
+          <a:lstStyle/>
+          <a:p>
+            <a:fld id="{B8DACC02-A2BD-4578-8E03-6D891060A695}" type="slidenum">
+              <a:rPr lang="en-US" smtClean="0"/>
+              <a:t>27</a:t>
+            </a:fld>
+            <a:endParaRPr lang="en-US"/>
+          </a:p>
+        </p:txBody>
+      </p:sp>
     </p:spTree>
     <p:extLst>
       <p:ext uri="{BB962C8B-B14F-4D97-AF65-F5344CB8AC3E}">
@@ -7005,6 +7442,30 @@
           </a:p>
         </p:txBody>
       </p:sp>
+      <p:sp>
+        <p:nvSpPr>
+          <p:cNvPr id="4" name="Slide Number Placeholder 3"/>
+          <p:cNvSpPr>
+            <a:spLocks noGrp="1"/>
+          </p:cNvSpPr>
+          <p:nvPr>
+            <p:ph type="sldNum" sz="quarter" idx="12"/>
+          </p:nvPr>
+        </p:nvSpPr>
+        <p:spPr/>
+        <p:txBody>
+          <a:bodyPr/>
+          <a:lstStyle/>
+          <a:p>
+            <a:fld id="{B8DACC02-A2BD-4578-8E03-6D891060A695}" type="slidenum">
+              <a:rPr lang="en-US" smtClean="0"/>
+              <a:pPr/>
+              <a:t>28</a:t>
+            </a:fld>
+            <a:endParaRPr lang="en-US" dirty="0"/>
+          </a:p>
+        </p:txBody>
+      </p:sp>
     </p:spTree>
     <p:extLst>
       <p:ext uri="{BB962C8B-B14F-4D97-AF65-F5344CB8AC3E}">
@@ -7132,6 +7593,30 @@
           </a:p>
         </p:txBody>
       </p:sp>
+      <p:sp>
+        <p:nvSpPr>
+          <p:cNvPr id="4" name="Slide Number Placeholder 3"/>
+          <p:cNvSpPr>
+            <a:spLocks noGrp="1"/>
+          </p:cNvSpPr>
+          <p:nvPr>
+            <p:ph type="sldNum" sz="quarter" idx="12"/>
+          </p:nvPr>
+        </p:nvSpPr>
+        <p:spPr/>
+        <p:txBody>
+          <a:bodyPr/>
+          <a:lstStyle/>
+          <a:p>
+            <a:fld id="{B8DACC02-A2BD-4578-8E03-6D891060A695}" type="slidenum">
+              <a:rPr lang="en-US" smtClean="0"/>
+              <a:pPr/>
+              <a:t>29</a:t>
+            </a:fld>
+            <a:endParaRPr lang="en-US" dirty="0"/>
+          </a:p>
+        </p:txBody>
+      </p:sp>
     </p:spTree>
     <p:extLst>
       <p:ext uri="{BB962C8B-B14F-4D97-AF65-F5344CB8AC3E}">
@@ -7199,6 +7684,29 @@
           <a:bodyPr/>
           <a:lstStyle/>
           <a:p>
+            <a:endParaRPr lang="en-US"/>
+          </a:p>
+        </p:txBody>
+      </p:sp>
+      <p:sp>
+        <p:nvSpPr>
+          <p:cNvPr id="4" name="Slide Number Placeholder 3"/>
+          <p:cNvSpPr>
+            <a:spLocks noGrp="1"/>
+          </p:cNvSpPr>
+          <p:nvPr>
+            <p:ph type="sldNum" sz="quarter" idx="12"/>
+          </p:nvPr>
+        </p:nvSpPr>
+        <p:spPr/>
+        <p:txBody>
+          <a:bodyPr/>
+          <a:lstStyle/>
+          <a:p>
+            <a:fld id="{B8DACC02-A2BD-4578-8E03-6D891060A695}" type="slidenum">
+              <a:rPr lang="en-US" smtClean="0"/>
+              <a:t>3</a:t>
+            </a:fld>
             <a:endParaRPr lang="en-US"/>
           </a:p>
         </p:txBody>
@@ -7257,6 +7765,30 @@
           </a:prstGeom>
         </p:spPr>
       </p:pic>
+      <p:sp>
+        <p:nvSpPr>
+          <p:cNvPr id="2" name="Slide Number Placeholder 1"/>
+          <p:cNvSpPr>
+            <a:spLocks noGrp="1"/>
+          </p:cNvSpPr>
+          <p:nvPr>
+            <p:ph type="sldNum" sz="quarter" idx="12"/>
+          </p:nvPr>
+        </p:nvSpPr>
+        <p:spPr/>
+        <p:txBody>
+          <a:bodyPr/>
+          <a:lstStyle/>
+          <a:p>
+            <a:fld id="{B8DACC02-A2BD-4578-8E03-6D891060A695}" type="slidenum">
+              <a:rPr lang="en-US" smtClean="0"/>
+              <a:pPr/>
+              <a:t>30</a:t>
+            </a:fld>
+            <a:endParaRPr lang="en-US" dirty="0"/>
+          </a:p>
+        </p:txBody>
+      </p:sp>
     </p:spTree>
     <p:extLst>
       <p:ext uri="{BB962C8B-B14F-4D97-AF65-F5344CB8AC3E}">
@@ -7423,6 +7955,30 @@
           </a:p>
         </p:txBody>
       </p:sp>
+      <p:sp>
+        <p:nvSpPr>
+          <p:cNvPr id="4" name="Slide Number Placeholder 3"/>
+          <p:cNvSpPr>
+            <a:spLocks noGrp="1"/>
+          </p:cNvSpPr>
+          <p:nvPr>
+            <p:ph type="sldNum" sz="quarter" idx="12"/>
+          </p:nvPr>
+        </p:nvSpPr>
+        <p:spPr/>
+        <p:txBody>
+          <a:bodyPr/>
+          <a:lstStyle/>
+          <a:p>
+            <a:fld id="{B8DACC02-A2BD-4578-8E03-6D891060A695}" type="slidenum">
+              <a:rPr lang="en-US" smtClean="0"/>
+              <a:pPr/>
+              <a:t>31</a:t>
+            </a:fld>
+            <a:endParaRPr lang="en-US" dirty="0"/>
+          </a:p>
+        </p:txBody>
+      </p:sp>
     </p:spTree>
     <p:extLst>
       <p:ext uri="{BB962C8B-B14F-4D97-AF65-F5344CB8AC3E}">
@@ -7566,6 +8122,112 @@
           </a:p>
         </p:txBody>
       </p:sp>
+      <p:sp>
+        <p:nvSpPr>
+          <p:cNvPr id="4" name="Slide Number Placeholder 3"/>
+          <p:cNvSpPr>
+            <a:spLocks noGrp="1"/>
+          </p:cNvSpPr>
+          <p:nvPr>
+            <p:ph type="sldNum" sz="quarter" idx="12"/>
+          </p:nvPr>
+        </p:nvSpPr>
+        <p:spPr/>
+        <p:txBody>
+          <a:bodyPr/>
+          <a:lstStyle/>
+          <a:p>
+            <a:fld id="{B8DACC02-A2BD-4578-8E03-6D891060A695}" type="slidenum">
+              <a:rPr lang="en-US" smtClean="0"/>
+              <a:pPr/>
+              <a:t>32</a:t>
+            </a:fld>
+            <a:endParaRPr lang="en-US" dirty="0"/>
+          </a:p>
+        </p:txBody>
+      </p:sp>
+      <p:pic>
+        <p:nvPicPr>
+          <p:cNvPr id="1026" name="Picture 2" descr="Different Coaching Models | The Challenge Initiative"/>
+          <p:cNvPicPr>
+            <a:picLocks noChangeAspect="1" noChangeArrowheads="1"/>
+          </p:cNvPicPr>
+          <p:nvPr/>
+        </p:nvPicPr>
+        <p:blipFill>
+          <a:blip r:embed="rId2" cstate="print">
+            <a:extLst>
+              <a:ext uri="{28A0092B-C50C-407E-A947-70E740481C1C}">
+                <a14:useLocalDpi xmlns:a14="http://schemas.microsoft.com/office/drawing/2010/main" val="0"/>
+              </a:ext>
+            </a:extLst>
+          </a:blip>
+          <a:srcRect/>
+          <a:stretch>
+            <a:fillRect/>
+          </a:stretch>
+        </p:blipFill>
+        <p:spPr bwMode="auto">
+          <a:xfrm>
+            <a:off x="8348962" y="4154170"/>
+            <a:ext cx="2994048" cy="2266495"/>
+          </a:xfrm>
+          <a:prstGeom prst="rect">
+            <a:avLst/>
+          </a:prstGeom>
+          <a:noFill/>
+          <a:extLst>
+            <a:ext uri="{909E8E84-426E-40DD-AFC4-6F175D3DCCD1}">
+              <a14:hiddenFill xmlns:a14="http://schemas.microsoft.com/office/drawing/2010/main">
+                <a:solidFill>
+                  <a:srgbClr val="FFFFFF"/>
+                </a:solidFill>
+              </a14:hiddenFill>
+            </a:ext>
+          </a:extLst>
+        </p:spPr>
+      </p:pic>
+      <p:pic>
+        <p:nvPicPr>
+          <p:cNvPr id="1028" name="Picture 4" descr="Hersey and Blanchard Situational Leadership Model EXPLAINED | B2U"/>
+          <p:cNvPicPr>
+            <a:picLocks noChangeAspect="1" noChangeArrowheads="1"/>
+          </p:cNvPicPr>
+          <p:nvPr/>
+        </p:nvPicPr>
+        <p:blipFill>
+          <a:blip r:embed="rId3" cstate="print">
+            <a:extLst>
+              <a:ext uri="{28A0092B-C50C-407E-A947-70E740481C1C}">
+                <a14:useLocalDpi xmlns:a14="http://schemas.microsoft.com/office/drawing/2010/main" val="0"/>
+              </a:ext>
+            </a:extLst>
+          </a:blip>
+          <a:srcRect/>
+          <a:stretch>
+            <a:fillRect/>
+          </a:stretch>
+        </p:blipFill>
+        <p:spPr bwMode="auto">
+          <a:xfrm>
+            <a:off x="8492151" y="1207300"/>
+            <a:ext cx="2471105" cy="2946870"/>
+          </a:xfrm>
+          <a:prstGeom prst="rect">
+            <a:avLst/>
+          </a:prstGeom>
+          <a:noFill/>
+          <a:extLst>
+            <a:ext uri="{909E8E84-426E-40DD-AFC4-6F175D3DCCD1}">
+              <a14:hiddenFill xmlns:a14="http://schemas.microsoft.com/office/drawing/2010/main">
+                <a:solidFill>
+                  <a:srgbClr val="FFFFFF"/>
+                </a:solidFill>
+              </a14:hiddenFill>
+            </a:ext>
+          </a:extLst>
+        </p:spPr>
+      </p:pic>
     </p:spTree>
     <p:extLst>
       <p:ext uri="{BB962C8B-B14F-4D97-AF65-F5344CB8AC3E}">
@@ -7756,6 +8418,112 @@
           </a:p>
         </p:txBody>
       </p:sp>
+      <p:sp>
+        <p:nvSpPr>
+          <p:cNvPr id="4" name="Slide Number Placeholder 3"/>
+          <p:cNvSpPr>
+            <a:spLocks noGrp="1"/>
+          </p:cNvSpPr>
+          <p:nvPr>
+            <p:ph type="sldNum" sz="quarter" idx="12"/>
+          </p:nvPr>
+        </p:nvSpPr>
+        <p:spPr/>
+        <p:txBody>
+          <a:bodyPr/>
+          <a:lstStyle/>
+          <a:p>
+            <a:fld id="{B8DACC02-A2BD-4578-8E03-6D891060A695}" type="slidenum">
+              <a:rPr lang="en-US" smtClean="0"/>
+              <a:pPr/>
+              <a:t>33</a:t>
+            </a:fld>
+            <a:endParaRPr lang="en-US" dirty="0"/>
+          </a:p>
+        </p:txBody>
+      </p:sp>
+      <p:pic>
+        <p:nvPicPr>
+          <p:cNvPr id="2050" name="Picture 2" descr="Theory X and Theory Y and Theory Z | Theories, Public relations, Leadership"/>
+          <p:cNvPicPr>
+            <a:picLocks noChangeAspect="1" noChangeArrowheads="1"/>
+          </p:cNvPicPr>
+          <p:nvPr/>
+        </p:nvPicPr>
+        <p:blipFill>
+          <a:blip r:embed="rId2" cstate="print">
+            <a:extLst>
+              <a:ext uri="{28A0092B-C50C-407E-A947-70E740481C1C}">
+                <a14:useLocalDpi xmlns:a14="http://schemas.microsoft.com/office/drawing/2010/main" val="0"/>
+              </a:ext>
+            </a:extLst>
+          </a:blip>
+          <a:srcRect/>
+          <a:stretch>
+            <a:fillRect/>
+          </a:stretch>
+        </p:blipFill>
+        <p:spPr bwMode="auto">
+          <a:xfrm>
+            <a:off x="7315201" y="1406880"/>
+            <a:ext cx="4555080" cy="2481009"/>
+          </a:xfrm>
+          <a:prstGeom prst="rect">
+            <a:avLst/>
+          </a:prstGeom>
+          <a:noFill/>
+          <a:extLst>
+            <a:ext uri="{909E8E84-426E-40DD-AFC4-6F175D3DCCD1}">
+              <a14:hiddenFill xmlns:a14="http://schemas.microsoft.com/office/drawing/2010/main">
+                <a:solidFill>
+                  <a:srgbClr val="FFFFFF"/>
+                </a:solidFill>
+              </a14:hiddenFill>
+            </a:ext>
+          </a:extLst>
+        </p:spPr>
+      </p:pic>
+      <p:pic>
+        <p:nvPicPr>
+          <p:cNvPr id="2052" name="Picture 4" descr="Understanding the ADKAR Change Management Model"/>
+          <p:cNvPicPr>
+            <a:picLocks noChangeAspect="1" noChangeArrowheads="1"/>
+          </p:cNvPicPr>
+          <p:nvPr/>
+        </p:nvPicPr>
+        <p:blipFill>
+          <a:blip r:embed="rId3" cstate="print">
+            <a:extLst>
+              <a:ext uri="{28A0092B-C50C-407E-A947-70E740481C1C}">
+                <a14:useLocalDpi xmlns:a14="http://schemas.microsoft.com/office/drawing/2010/main" val="0"/>
+              </a:ext>
+            </a:extLst>
+          </a:blip>
+          <a:srcRect/>
+          <a:stretch>
+            <a:fillRect/>
+          </a:stretch>
+        </p:blipFill>
+        <p:spPr bwMode="auto">
+          <a:xfrm>
+            <a:off x="7804088" y="4087469"/>
+            <a:ext cx="3503690" cy="2335794"/>
+          </a:xfrm>
+          <a:prstGeom prst="rect">
+            <a:avLst/>
+          </a:prstGeom>
+          <a:noFill/>
+          <a:extLst>
+            <a:ext uri="{909E8E84-426E-40DD-AFC4-6F175D3DCCD1}">
+              <a14:hiddenFill xmlns:a14="http://schemas.microsoft.com/office/drawing/2010/main">
+                <a:solidFill>
+                  <a:srgbClr val="FFFFFF"/>
+                </a:solidFill>
+              </a14:hiddenFill>
+            </a:ext>
+          </a:extLst>
+        </p:spPr>
+      </p:pic>
     </p:spTree>
     <p:extLst>
       <p:ext uri="{BB962C8B-B14F-4D97-AF65-F5344CB8AC3E}">
@@ -7899,6 +8667,153 @@
           </a:p>
         </p:txBody>
       </p:sp>
+      <p:sp>
+        <p:nvSpPr>
+          <p:cNvPr id="4" name="Slide Number Placeholder 3"/>
+          <p:cNvSpPr>
+            <a:spLocks noGrp="1"/>
+          </p:cNvSpPr>
+          <p:nvPr>
+            <p:ph type="sldNum" sz="quarter" idx="12"/>
+          </p:nvPr>
+        </p:nvSpPr>
+        <p:spPr/>
+        <p:txBody>
+          <a:bodyPr/>
+          <a:lstStyle/>
+          <a:p>
+            <a:fld id="{B8DACC02-A2BD-4578-8E03-6D891060A695}" type="slidenum">
+              <a:rPr lang="en-US" smtClean="0"/>
+              <a:pPr/>
+              <a:t>34</a:t>
+            </a:fld>
+            <a:endParaRPr lang="en-US" dirty="0"/>
+          </a:p>
+        </p:txBody>
+      </p:sp>
+      <p:pic>
+        <p:nvPicPr>
+          <p:cNvPr id="3074" name="Picture 2" descr="Cynefin Framework – Agemba.com"/>
+          <p:cNvPicPr>
+            <a:picLocks noChangeAspect="1" noChangeArrowheads="1"/>
+          </p:cNvPicPr>
+          <p:nvPr/>
+        </p:nvPicPr>
+        <p:blipFill>
+          <a:blip r:embed="rId2" cstate="print">
+            <a:extLst>
+              <a:ext uri="{28A0092B-C50C-407E-A947-70E740481C1C}">
+                <a14:useLocalDpi xmlns:a14="http://schemas.microsoft.com/office/drawing/2010/main" val="0"/>
+              </a:ext>
+            </a:extLst>
+          </a:blip>
+          <a:srcRect/>
+          <a:stretch>
+            <a:fillRect/>
+          </a:stretch>
+        </p:blipFill>
+        <p:spPr bwMode="auto">
+          <a:xfrm>
+            <a:off x="9028545" y="1294645"/>
+            <a:ext cx="2709100" cy="2770361"/>
+          </a:xfrm>
+          <a:prstGeom prst="rect">
+            <a:avLst/>
+          </a:prstGeom>
+          <a:noFill/>
+          <a:extLst>
+            <a:ext uri="{909E8E84-426E-40DD-AFC4-6F175D3DCCD1}">
+              <a14:hiddenFill xmlns:a14="http://schemas.microsoft.com/office/drawing/2010/main">
+                <a:solidFill>
+                  <a:srgbClr val="FFFFFF"/>
+                </a:solidFill>
+              </a14:hiddenFill>
+            </a:ext>
+          </a:extLst>
+        </p:spPr>
+      </p:pic>
+      <p:pic>
+        <p:nvPicPr>
+          <p:cNvPr id="3076" name="Picture 4" descr="Stacey Matrix – A Practical Tool for Complex Decisions and Projects"/>
+          <p:cNvPicPr>
+            <a:picLocks noChangeAspect="1" noChangeArrowheads="1"/>
+          </p:cNvPicPr>
+          <p:nvPr/>
+        </p:nvPicPr>
+        <p:blipFill>
+          <a:blip r:embed="rId3">
+            <a:extLst>
+              <a:ext uri="{28A0092B-C50C-407E-A947-70E740481C1C}">
+                <a14:useLocalDpi xmlns:a14="http://schemas.microsoft.com/office/drawing/2010/main" val="0"/>
+              </a:ext>
+            </a:extLst>
+          </a:blip>
+          <a:srcRect/>
+          <a:stretch>
+            <a:fillRect/>
+          </a:stretch>
+        </p:blipFill>
+        <p:spPr bwMode="auto">
+          <a:xfrm>
+            <a:off x="6601644" y="3924136"/>
+            <a:ext cx="3076512" cy="2568739"/>
+          </a:xfrm>
+          <a:prstGeom prst="rect">
+            <a:avLst/>
+          </a:prstGeom>
+          <a:noFill/>
+          <a:extLst>
+            <a:ext uri="{909E8E84-426E-40DD-AFC4-6F175D3DCCD1}">
+              <a14:hiddenFill xmlns:a14="http://schemas.microsoft.com/office/drawing/2010/main">
+                <a:solidFill>
+                  <a:srgbClr val="FFFFFF"/>
+                </a:solidFill>
+              </a14:hiddenFill>
+            </a:ext>
+          </a:extLst>
+        </p:spPr>
+      </p:pic>
+      <p:pic>
+        <p:nvPicPr>
+          <p:cNvPr id="3078" name="Picture 6" descr="Tuckman Ladder PMP model for team development - Full Guide to Ladder's  Stages - Bakkah"/>
+          <p:cNvPicPr>
+            <a:picLocks noChangeAspect="1" noChangeArrowheads="1"/>
+          </p:cNvPicPr>
+          <p:nvPr/>
+        </p:nvPicPr>
+        <p:blipFill>
+          <a:blip r:embed="rId4">
+            <a:extLst>
+              <a:ext uri="{28A0092B-C50C-407E-A947-70E740481C1C}">
+                <a14:useLocalDpi xmlns:a14="http://schemas.microsoft.com/office/drawing/2010/main" val="0"/>
+              </a:ext>
+            </a:extLst>
+          </a:blip>
+          <a:srcRect/>
+          <a:stretch>
+            <a:fillRect/>
+          </a:stretch>
+        </p:blipFill>
+        <p:spPr bwMode="auto">
+          <a:xfrm>
+            <a:off x="753103" y="3992884"/>
+            <a:ext cx="3339063" cy="2593339"/>
+          </a:xfrm>
+          <a:prstGeom prst="rect">
+            <a:avLst/>
+          </a:prstGeom>
+          <a:noFill/>
+          <a:extLst>
+            <a:ext uri="{909E8E84-426E-40DD-AFC4-6F175D3DCCD1}">
+              <a14:hiddenFill xmlns:a14="http://schemas.microsoft.com/office/drawing/2010/main">
+                <a:solidFill>
+                  <a:srgbClr val="FFFFFF"/>
+                </a:solidFill>
+              </a14:hiddenFill>
+            </a:ext>
+          </a:extLst>
+        </p:spPr>
+      </p:pic>
     </p:spTree>
     <p:extLst>
       <p:ext uri="{BB962C8B-B14F-4D97-AF65-F5344CB8AC3E}">
@@ -8024,6 +8939,30 @@
           <a:p>
             <a:pPr lvl="1"/>
             <a:endParaRPr lang="en-US" dirty="0" smtClean="0"/>
+          </a:p>
+        </p:txBody>
+      </p:sp>
+      <p:sp>
+        <p:nvSpPr>
+          <p:cNvPr id="4" name="Slide Number Placeholder 3"/>
+          <p:cNvSpPr>
+            <a:spLocks noGrp="1"/>
+          </p:cNvSpPr>
+          <p:nvPr>
+            <p:ph type="sldNum" sz="quarter" idx="12"/>
+          </p:nvPr>
+        </p:nvSpPr>
+        <p:spPr/>
+        <p:txBody>
+          <a:bodyPr/>
+          <a:lstStyle/>
+          <a:p>
+            <a:fld id="{B8DACC02-A2BD-4578-8E03-6D891060A695}" type="slidenum">
+              <a:rPr lang="en-US" smtClean="0"/>
+              <a:pPr/>
+              <a:t>35</a:t>
+            </a:fld>
+            <a:endParaRPr lang="en-US" dirty="0"/>
           </a:p>
         </p:txBody>
       </p:sp>
@@ -8081,6 +9020,29 @@
           </a:prstGeom>
         </p:spPr>
       </p:pic>
+      <p:sp>
+        <p:nvSpPr>
+          <p:cNvPr id="2" name="Slide Number Placeholder 1"/>
+          <p:cNvSpPr>
+            <a:spLocks noGrp="1"/>
+          </p:cNvSpPr>
+          <p:nvPr>
+            <p:ph type="sldNum" sz="quarter" idx="12"/>
+          </p:nvPr>
+        </p:nvSpPr>
+        <p:spPr/>
+        <p:txBody>
+          <a:bodyPr/>
+          <a:lstStyle/>
+          <a:p>
+            <a:fld id="{B8DACC02-A2BD-4578-8E03-6D891060A695}" type="slidenum">
+              <a:rPr lang="en-US" smtClean="0"/>
+              <a:t>36</a:t>
+            </a:fld>
+            <a:endParaRPr lang="en-US"/>
+          </a:p>
+        </p:txBody>
+      </p:sp>
     </p:spTree>
     <p:extLst>
       <p:ext uri="{BB962C8B-B14F-4D97-AF65-F5344CB8AC3E}">
@@ -8175,6 +9137,30 @@
               <a:rPr lang="en-US" dirty="0" smtClean="0"/>
               <a:t>Other methods</a:t>
             </a:r>
+            <a:endParaRPr lang="en-US" dirty="0"/>
+          </a:p>
+        </p:txBody>
+      </p:sp>
+      <p:sp>
+        <p:nvSpPr>
+          <p:cNvPr id="4" name="Slide Number Placeholder 3"/>
+          <p:cNvSpPr>
+            <a:spLocks noGrp="1"/>
+          </p:cNvSpPr>
+          <p:nvPr>
+            <p:ph type="sldNum" sz="quarter" idx="12"/>
+          </p:nvPr>
+        </p:nvSpPr>
+        <p:spPr/>
+        <p:txBody>
+          <a:bodyPr/>
+          <a:lstStyle/>
+          <a:p>
+            <a:fld id="{B8DACC02-A2BD-4578-8E03-6D891060A695}" type="slidenum">
+              <a:rPr lang="en-US" smtClean="0"/>
+              <a:pPr/>
+              <a:t>37</a:t>
+            </a:fld>
             <a:endParaRPr lang="en-US" dirty="0"/>
           </a:p>
         </p:txBody>
@@ -8233,6 +9219,29 @@
           </a:prstGeom>
         </p:spPr>
       </p:pic>
+      <p:sp>
+        <p:nvSpPr>
+          <p:cNvPr id="2" name="Slide Number Placeholder 1"/>
+          <p:cNvSpPr>
+            <a:spLocks noGrp="1"/>
+          </p:cNvSpPr>
+          <p:nvPr>
+            <p:ph type="sldNum" sz="quarter" idx="12"/>
+          </p:nvPr>
+        </p:nvSpPr>
+        <p:spPr/>
+        <p:txBody>
+          <a:bodyPr/>
+          <a:lstStyle/>
+          <a:p>
+            <a:fld id="{B8DACC02-A2BD-4578-8E03-6D891060A695}" type="slidenum">
+              <a:rPr lang="en-US" smtClean="0"/>
+              <a:t>38</a:t>
+            </a:fld>
+            <a:endParaRPr lang="en-US"/>
+          </a:p>
+        </p:txBody>
+      </p:sp>
     </p:spTree>
     <p:extLst>
       <p:ext uri="{BB962C8B-B14F-4D97-AF65-F5344CB8AC3E}">
@@ -8287,6 +9296,29 @@
           </a:prstGeom>
         </p:spPr>
       </p:pic>
+      <p:sp>
+        <p:nvSpPr>
+          <p:cNvPr id="3" name="Slide Number Placeholder 2"/>
+          <p:cNvSpPr>
+            <a:spLocks noGrp="1"/>
+          </p:cNvSpPr>
+          <p:nvPr>
+            <p:ph type="sldNum" sz="quarter" idx="12"/>
+          </p:nvPr>
+        </p:nvSpPr>
+        <p:spPr/>
+        <p:txBody>
+          <a:bodyPr/>
+          <a:lstStyle/>
+          <a:p>
+            <a:fld id="{B8DACC02-A2BD-4578-8E03-6D891060A695}" type="slidenum">
+              <a:rPr lang="en-US" smtClean="0"/>
+              <a:t>39</a:t>
+            </a:fld>
+            <a:endParaRPr lang="en-US"/>
+          </a:p>
+        </p:txBody>
+      </p:sp>
     </p:spTree>
     <p:extLst>
       <p:ext uri="{BB962C8B-B14F-4D97-AF65-F5344CB8AC3E}">
@@ -8383,6 +9415,30 @@
           </a:p>
         </p:txBody>
       </p:sp>
+      <p:sp>
+        <p:nvSpPr>
+          <p:cNvPr id="4" name="Slide Number Placeholder 3"/>
+          <p:cNvSpPr>
+            <a:spLocks noGrp="1"/>
+          </p:cNvSpPr>
+          <p:nvPr>
+            <p:ph type="sldNum" sz="quarter" idx="12"/>
+          </p:nvPr>
+        </p:nvSpPr>
+        <p:spPr/>
+        <p:txBody>
+          <a:bodyPr/>
+          <a:lstStyle/>
+          <a:p>
+            <a:fld id="{B8DACC02-A2BD-4578-8E03-6D891060A695}" type="slidenum">
+              <a:rPr lang="en-US" smtClean="0"/>
+              <a:pPr/>
+              <a:t>4</a:t>
+            </a:fld>
+            <a:endParaRPr lang="en-US" dirty="0"/>
+          </a:p>
+        </p:txBody>
+      </p:sp>
     </p:spTree>
     <p:extLst>
       <p:ext uri="{BB962C8B-B14F-4D97-AF65-F5344CB8AC3E}">
@@ -8517,6 +9573,30 @@
               <a:rPr lang="en-US" dirty="0" smtClean="0"/>
               <a:t>Other artifacts</a:t>
             </a:r>
+            <a:endParaRPr lang="en-US" dirty="0"/>
+          </a:p>
+        </p:txBody>
+      </p:sp>
+      <p:sp>
+        <p:nvSpPr>
+          <p:cNvPr id="4" name="Slide Number Placeholder 3"/>
+          <p:cNvSpPr>
+            <a:spLocks noGrp="1"/>
+          </p:cNvSpPr>
+          <p:nvPr>
+            <p:ph type="sldNum" sz="quarter" idx="12"/>
+          </p:nvPr>
+        </p:nvSpPr>
+        <p:spPr/>
+        <p:txBody>
+          <a:bodyPr/>
+          <a:lstStyle/>
+          <a:p>
+            <a:fld id="{B8DACC02-A2BD-4578-8E03-6D891060A695}" type="slidenum">
+              <a:rPr lang="en-US" smtClean="0"/>
+              <a:pPr/>
+              <a:t>40</a:t>
+            </a:fld>
             <a:endParaRPr lang="en-US" dirty="0"/>
           </a:p>
         </p:txBody>
@@ -8575,6 +9655,29 @@
           </a:prstGeom>
         </p:spPr>
       </p:pic>
+      <p:sp>
+        <p:nvSpPr>
+          <p:cNvPr id="2" name="Slide Number Placeholder 1"/>
+          <p:cNvSpPr>
+            <a:spLocks noGrp="1"/>
+          </p:cNvSpPr>
+          <p:nvPr>
+            <p:ph type="sldNum" sz="quarter" idx="12"/>
+          </p:nvPr>
+        </p:nvSpPr>
+        <p:spPr/>
+        <p:txBody>
+          <a:bodyPr/>
+          <a:lstStyle/>
+          <a:p>
+            <a:fld id="{B8DACC02-A2BD-4578-8E03-6D891060A695}" type="slidenum">
+              <a:rPr lang="en-US" smtClean="0"/>
+              <a:t>41</a:t>
+            </a:fld>
+            <a:endParaRPr lang="en-US"/>
+          </a:p>
+        </p:txBody>
+      </p:sp>
     </p:spTree>
     <p:extLst>
       <p:ext uri="{BB962C8B-B14F-4D97-AF65-F5344CB8AC3E}">
@@ -8629,6 +9732,29 @@
           </a:prstGeom>
         </p:spPr>
       </p:pic>
+      <p:sp>
+        <p:nvSpPr>
+          <p:cNvPr id="3" name="Slide Number Placeholder 2"/>
+          <p:cNvSpPr>
+            <a:spLocks noGrp="1"/>
+          </p:cNvSpPr>
+          <p:nvPr>
+            <p:ph type="sldNum" sz="quarter" idx="12"/>
+          </p:nvPr>
+        </p:nvSpPr>
+        <p:spPr/>
+        <p:txBody>
+          <a:bodyPr/>
+          <a:lstStyle/>
+          <a:p>
+            <a:fld id="{B8DACC02-A2BD-4578-8E03-6D891060A695}" type="slidenum">
+              <a:rPr lang="en-US" smtClean="0"/>
+              <a:t>42</a:t>
+            </a:fld>
+            <a:endParaRPr lang="en-US"/>
+          </a:p>
+        </p:txBody>
+      </p:sp>
     </p:spTree>
     <p:extLst>
       <p:ext uri="{BB962C8B-B14F-4D97-AF65-F5344CB8AC3E}">
@@ -8683,6 +9809,29 @@
           </a:prstGeom>
         </p:spPr>
       </p:pic>
+      <p:sp>
+        <p:nvSpPr>
+          <p:cNvPr id="3" name="Slide Number Placeholder 2"/>
+          <p:cNvSpPr>
+            <a:spLocks noGrp="1"/>
+          </p:cNvSpPr>
+          <p:nvPr>
+            <p:ph type="sldNum" sz="quarter" idx="12"/>
+          </p:nvPr>
+        </p:nvSpPr>
+        <p:spPr/>
+        <p:txBody>
+          <a:bodyPr/>
+          <a:lstStyle/>
+          <a:p>
+            <a:fld id="{B8DACC02-A2BD-4578-8E03-6D891060A695}" type="slidenum">
+              <a:rPr lang="en-US" smtClean="0"/>
+              <a:t>43</a:t>
+            </a:fld>
+            <a:endParaRPr lang="en-US"/>
+          </a:p>
+        </p:txBody>
+      </p:sp>
     </p:spTree>
     <p:extLst>
       <p:ext uri="{BB962C8B-B14F-4D97-AF65-F5344CB8AC3E}">
@@ -8855,6 +10004,30 @@
           </a:p>
         </p:txBody>
       </p:sp>
+      <p:sp>
+        <p:nvSpPr>
+          <p:cNvPr id="4" name="Slide Number Placeholder 3"/>
+          <p:cNvSpPr>
+            <a:spLocks noGrp="1"/>
+          </p:cNvSpPr>
+          <p:nvPr>
+            <p:ph type="sldNum" sz="quarter" idx="12"/>
+          </p:nvPr>
+        </p:nvSpPr>
+        <p:spPr/>
+        <p:txBody>
+          <a:bodyPr/>
+          <a:lstStyle/>
+          <a:p>
+            <a:fld id="{B8DACC02-A2BD-4578-8E03-6D891060A695}" type="slidenum">
+              <a:rPr lang="en-US" smtClean="0"/>
+              <a:pPr/>
+              <a:t>5</a:t>
+            </a:fld>
+            <a:endParaRPr lang="en-US" dirty="0"/>
+          </a:p>
+        </p:txBody>
+      </p:sp>
     </p:spTree>
     <p:extLst>
       <p:ext uri="{BB962C8B-B14F-4D97-AF65-F5344CB8AC3E}">
@@ -8971,6 +10144,30 @@
           </a:p>
         </p:txBody>
       </p:sp>
+      <p:sp>
+        <p:nvSpPr>
+          <p:cNvPr id="4" name="Slide Number Placeholder 3"/>
+          <p:cNvSpPr>
+            <a:spLocks noGrp="1"/>
+          </p:cNvSpPr>
+          <p:nvPr>
+            <p:ph type="sldNum" sz="quarter" idx="12"/>
+          </p:nvPr>
+        </p:nvSpPr>
+        <p:spPr/>
+        <p:txBody>
+          <a:bodyPr/>
+          <a:lstStyle/>
+          <a:p>
+            <a:fld id="{B8DACC02-A2BD-4578-8E03-6D891060A695}" type="slidenum">
+              <a:rPr lang="en-US" smtClean="0"/>
+              <a:pPr/>
+              <a:t>6</a:t>
+            </a:fld>
+            <a:endParaRPr lang="en-US" dirty="0"/>
+          </a:p>
+        </p:txBody>
+      </p:sp>
     </p:spTree>
     <p:extLst>
       <p:ext uri="{BB962C8B-B14F-4D97-AF65-F5344CB8AC3E}">
@@ -9106,6 +10303,30 @@
           </a:p>
         </p:txBody>
       </p:sp>
+      <p:sp>
+        <p:nvSpPr>
+          <p:cNvPr id="4" name="Slide Number Placeholder 3"/>
+          <p:cNvSpPr>
+            <a:spLocks noGrp="1"/>
+          </p:cNvSpPr>
+          <p:nvPr>
+            <p:ph type="sldNum" sz="quarter" idx="12"/>
+          </p:nvPr>
+        </p:nvSpPr>
+        <p:spPr/>
+        <p:txBody>
+          <a:bodyPr/>
+          <a:lstStyle/>
+          <a:p>
+            <a:fld id="{B8DACC02-A2BD-4578-8E03-6D891060A695}" type="slidenum">
+              <a:rPr lang="en-US" smtClean="0"/>
+              <a:pPr/>
+              <a:t>7</a:t>
+            </a:fld>
+            <a:endParaRPr lang="en-US" dirty="0"/>
+          </a:p>
+        </p:txBody>
+      </p:sp>
     </p:spTree>
     <p:extLst>
       <p:ext uri="{BB962C8B-B14F-4D97-AF65-F5344CB8AC3E}">
@@ -9236,6 +10457,30 @@
           </a:p>
         </p:txBody>
       </p:sp>
+      <p:sp>
+        <p:nvSpPr>
+          <p:cNvPr id="4" name="Slide Number Placeholder 3"/>
+          <p:cNvSpPr>
+            <a:spLocks noGrp="1"/>
+          </p:cNvSpPr>
+          <p:nvPr>
+            <p:ph type="sldNum" sz="quarter" idx="12"/>
+          </p:nvPr>
+        </p:nvSpPr>
+        <p:spPr/>
+        <p:txBody>
+          <a:bodyPr/>
+          <a:lstStyle/>
+          <a:p>
+            <a:fld id="{B8DACC02-A2BD-4578-8E03-6D891060A695}" type="slidenum">
+              <a:rPr lang="en-US" smtClean="0"/>
+              <a:pPr/>
+              <a:t>8</a:t>
+            </a:fld>
+            <a:endParaRPr lang="en-US" dirty="0"/>
+          </a:p>
+        </p:txBody>
+      </p:sp>
     </p:spTree>
     <p:extLst>
       <p:ext uri="{BB962C8B-B14F-4D97-AF65-F5344CB8AC3E}">
@@ -9427,6 +10672,30 @@
               <a:rPr lang="en-US" dirty="0"/>
               <a:t>experience a predictive or iterative development approach.</a:t>
             </a:r>
+          </a:p>
+        </p:txBody>
+      </p:sp>
+      <p:sp>
+        <p:nvSpPr>
+          <p:cNvPr id="4" name="Slide Number Placeholder 3"/>
+          <p:cNvSpPr>
+            <a:spLocks noGrp="1"/>
+          </p:cNvSpPr>
+          <p:nvPr>
+            <p:ph type="sldNum" sz="quarter" idx="12"/>
+          </p:nvPr>
+        </p:nvSpPr>
+        <p:spPr/>
+        <p:txBody>
+          <a:bodyPr/>
+          <a:lstStyle/>
+          <a:p>
+            <a:fld id="{B8DACC02-A2BD-4578-8E03-6D891060A695}" type="slidenum">
+              <a:rPr lang="en-US" smtClean="0"/>
+              <a:pPr/>
+              <a:t>9</a:t>
+            </a:fld>
+            <a:endParaRPr lang="en-US" dirty="0"/>
           </a:p>
         </p:txBody>
       </p:sp>
